--- a/PPT-Hurricane Prediction System.pptx
+++ b/PPT-Hurricane Prediction System.pptx
@@ -266,7 +266,7 @@
       </p15:sldGuideLst>
     </p:ext>
     <p:ext uri="http://customooxmlschemas.google.com/">
-      <go:slidesCustomData xmlns:mc="http://schemas.openxmlformats.org/markup-compatibility/2006" xmlns:mv="urn:schemas-microsoft-com:mac:vml" xmlns:c="http://schemas.openxmlformats.org/drawingml/2006/chart" xmlns:dgm="http://schemas.openxmlformats.org/drawingml/2006/diagram" xmlns:o="urn:schemas-microsoft-com:office:office" xmlns:v="urn:schemas-microsoft-com:vml" xmlns:pvml="urn:schemas-microsoft-com:office:powerpoint" xmlns:com="http://schemas.openxmlformats.org/drawingml/2006/compatibility" xmlns:p14="http://schemas.microsoft.com/office/powerpoint/2010/main" xmlns:p15="http://schemas.microsoft.com/office/powerpoint/2012/main" xmlns:go="http://customooxmlschemas.google.com/" xmlns="" r:id="rId220" roundtripDataSignature="AMtx7miWNY2LB4ETJwrL8F0N+EK9hEhqUQ=="/>
+      <go:slidesCustomData xmlns="" xmlns:go="http://customooxmlschemas.google.com/" xmlns:p15="http://schemas.microsoft.com/office/powerpoint/2012/main" xmlns:p14="http://schemas.microsoft.com/office/powerpoint/2010/main" xmlns:com="http://schemas.openxmlformats.org/drawingml/2006/compatibility" xmlns:pvml="urn:schemas-microsoft-com:office:powerpoint" xmlns:v="urn:schemas-microsoft-com:vml" xmlns:o="urn:schemas-microsoft-com:office:office" xmlns:dgm="http://schemas.openxmlformats.org/drawingml/2006/diagram" xmlns:c="http://schemas.openxmlformats.org/drawingml/2006/chart" xmlns:mv="urn:schemas-microsoft-com:mac:vml" xmlns:mc="http://schemas.openxmlformats.org/markup-compatibility/2006" r:id="rId220" roundtripDataSignature="AMtx7miWNY2LB4ETJwrL8F0N+EK9hEhqUQ=="/>
     </p:ext>
   </p:extLst>
 </p:presentation>
@@ -3541,7 +3541,7 @@
         <p:spPr>
           <a:xfrm>
             <a:off x="0" y="810572"/>
-            <a:ext cx="11703216" cy="6454331"/>
+            <a:ext cx="11703216" cy="5447645"/>
           </a:xfrm>
           <a:prstGeom prst="rect">
             <a:avLst/>
@@ -3565,184 +3565,177 @@
           </a:p>
           <a:p>
             <a:r>
-              <a:rPr lang="en-US" b="1" dirty="0"/>
-              <a:t>The proposed solution involves the following steps:</a:t>
-            </a:r>
-            <a:endParaRPr lang="en-US" dirty="0"/>
-          </a:p>
-          <a:p>
-            <a:r>
-              <a:rPr lang="en-US" b="1" dirty="0"/>
+              <a:rPr lang="en-US" sz="1600" b="1" dirty="0"/>
               <a:t>Data Collection &amp; Preprocessing</a:t>
             </a:r>
-            <a:endParaRPr lang="en-US" dirty="0"/>
+            <a:endParaRPr lang="en-US" sz="1600" dirty="0"/>
           </a:p>
           <a:p>
             <a:pPr lvl="1"/>
             <a:r>
-              <a:rPr lang="en-US" dirty="0"/>
+              <a:rPr lang="en-US" sz="1600" dirty="0"/>
               <a:t>Dataset: NOAA Atlantic Hurricane Database (HURDAT2) with features like year, month, day, hour, </a:t>
             </a:r>
             <a:r>
-              <a:rPr lang="en-US" dirty="0" err="1"/>
+              <a:rPr lang="en-US" sz="1600" dirty="0" err="1"/>
               <a:t>lat</a:t>
             </a:r>
             <a:r>
-              <a:rPr lang="en-US" dirty="0"/>
+              <a:rPr lang="en-US" sz="1600" dirty="0"/>
               <a:t>, long, wind, pressure, category.</a:t>
             </a:r>
           </a:p>
           <a:p>
             <a:pPr lvl="1"/>
             <a:r>
-              <a:rPr lang="en-US" dirty="0"/>
+              <a:rPr lang="en-US" sz="1600" dirty="0"/>
               <a:t>Cleaned missing values (-999 for pressure, -1998 for storm diameters) and converted category to a binary target (Hurricane = 1, Not Hurricane = 0).</a:t>
             </a:r>
           </a:p>
           <a:p>
             <a:pPr lvl="1"/>
             <a:r>
-              <a:rPr lang="en-US" dirty="0"/>
+              <a:rPr lang="en-US" sz="1600" dirty="0"/>
               <a:t>Ensured all features were numeric and ready for model training.</a:t>
             </a:r>
           </a:p>
           <a:p>
             <a:r>
-              <a:rPr lang="en-US" b="1" dirty="0"/>
+              <a:rPr lang="en-US" sz="1600" b="1" dirty="0"/>
               <a:t>Exploratory Data Analysis (EDA)</a:t>
             </a:r>
-            <a:endParaRPr lang="en-US" dirty="0"/>
+            <a:endParaRPr lang="en-US" sz="1600" dirty="0"/>
           </a:p>
           <a:p>
             <a:pPr lvl="1"/>
             <a:r>
-              <a:rPr lang="en-US" dirty="0"/>
+              <a:rPr lang="en-US" sz="1600" dirty="0"/>
               <a:t>Performed statistical summaries (.info(), .describe(), .</a:t>
             </a:r>
             <a:r>
-              <a:rPr lang="en-US" dirty="0" err="1"/>
+              <a:rPr lang="en-US" sz="1600" dirty="0" err="1"/>
               <a:t>isnull</a:t>
             </a:r>
             <a:r>
-              <a:rPr lang="en-US" dirty="0"/>
+              <a:rPr lang="en-US" sz="1600" dirty="0"/>
               <a:t>().sum()) to understand data quality.</a:t>
             </a:r>
           </a:p>
           <a:p>
             <a:pPr lvl="1"/>
             <a:r>
-              <a:rPr lang="en-US" dirty="0"/>
+              <a:rPr lang="en-US" sz="1600" dirty="0"/>
               <a:t>Visualized hurricane patterns using </a:t>
             </a:r>
             <a:r>
-              <a:rPr lang="en-US" b="1" dirty="0"/>
+              <a:rPr lang="en-US" sz="1600" b="1" dirty="0"/>
               <a:t>Seaborn</a:t>
             </a:r>
             <a:r>
-              <a:rPr lang="en-US" dirty="0"/>
+              <a:rPr lang="en-US" sz="1600" dirty="0"/>
               <a:t> and </a:t>
             </a:r>
             <a:r>
-              <a:rPr lang="en-US" b="1" dirty="0"/>
+              <a:rPr lang="en-US" sz="1600" b="1" dirty="0"/>
               <a:t>Matplotlib</a:t>
             </a:r>
             <a:r>
-              <a:rPr lang="en-US" dirty="0"/>
+              <a:rPr lang="en-US" sz="1600" dirty="0"/>
               <a:t> (count plots, box plots, heatmaps).</a:t>
             </a:r>
           </a:p>
           <a:p>
             <a:r>
-              <a:rPr lang="en-US" b="1" dirty="0"/>
+              <a:rPr lang="en-US" sz="1600" b="1" dirty="0"/>
               <a:t>Model Development</a:t>
             </a:r>
-            <a:endParaRPr lang="en-US" dirty="0"/>
+            <a:endParaRPr lang="en-US" sz="1600" dirty="0"/>
           </a:p>
           <a:p>
             <a:pPr lvl="1"/>
             <a:r>
-              <a:rPr lang="en-US" dirty="0"/>
+              <a:rPr lang="en-US" sz="1600" dirty="0"/>
               <a:t>Implemented a </a:t>
             </a:r>
             <a:r>
-              <a:rPr lang="en-US" b="1" dirty="0"/>
+              <a:rPr lang="en-US" sz="1600" b="1" dirty="0"/>
               <a:t>Random Forest Classifier</a:t>
             </a:r>
             <a:r>
-              <a:rPr lang="en-US" dirty="0"/>
+              <a:rPr lang="en-US" sz="1600" dirty="0"/>
               <a:t> using scikit-learn to predict hurricane occurrence.</a:t>
             </a:r>
           </a:p>
           <a:p>
             <a:pPr lvl="1"/>
             <a:r>
-              <a:rPr lang="en-US" dirty="0"/>
+              <a:rPr lang="en-US" sz="1600" dirty="0"/>
               <a:t>Split dataset into training (70%) and testing (30%) sets to evaluate model performance.</a:t>
             </a:r>
           </a:p>
           <a:p>
             <a:r>
-              <a:rPr lang="en-US" b="1" dirty="0"/>
+              <a:rPr lang="en-US" sz="1600" b="1" dirty="0"/>
               <a:t>User Interaction</a:t>
             </a:r>
-            <a:endParaRPr lang="en-US" dirty="0"/>
+            <a:endParaRPr lang="en-US" sz="1600" dirty="0"/>
           </a:p>
           <a:p>
             <a:pPr lvl="1"/>
             <a:r>
-              <a:rPr lang="en-US" dirty="0"/>
+              <a:rPr lang="en-US" sz="1600" dirty="0"/>
               <a:t>Built an </a:t>
             </a:r>
             <a:r>
-              <a:rPr lang="en-US" b="1" dirty="0"/>
+              <a:rPr lang="en-US" sz="1600" b="1" dirty="0"/>
               <a:t>interactive </a:t>
             </a:r>
             <a:r>
-              <a:rPr lang="en-US" b="1" dirty="0" err="1"/>
+              <a:rPr lang="en-US" sz="1600" b="1" dirty="0" err="1"/>
               <a:t>Streamlit</a:t>
             </a:r>
             <a:r>
-              <a:rPr lang="en-US" b="1" dirty="0"/>
+              <a:rPr lang="en-US" sz="1600" b="1" dirty="0"/>
               <a:t> interface</a:t>
             </a:r>
             <a:r>
-              <a:rPr lang="en-US" dirty="0"/>
+              <a:rPr lang="en-US" sz="1600" dirty="0"/>
               <a:t> where users input latitude, longitude, wind, pressure.</a:t>
             </a:r>
           </a:p>
           <a:p>
             <a:pPr lvl="1"/>
             <a:r>
-              <a:rPr lang="en-US" dirty="0"/>
+              <a:rPr lang="en-US" sz="1600" dirty="0"/>
               <a:t>Model predicts in real-time whether a hurricane is likely.</a:t>
             </a:r>
           </a:p>
           <a:p>
             <a:r>
-              <a:rPr lang="en-US" b="1" dirty="0"/>
+              <a:rPr lang="en-US" sz="1600" b="1" dirty="0"/>
               <a:t>Results &amp; Evaluation</a:t>
             </a:r>
-            <a:endParaRPr lang="en-US" dirty="0"/>
+            <a:endParaRPr lang="en-US" sz="1600" dirty="0"/>
           </a:p>
           <a:p>
             <a:pPr lvl="1"/>
             <a:r>
-              <a:rPr lang="en-US" dirty="0"/>
+              <a:rPr lang="en-US" sz="1600" dirty="0"/>
               <a:t>Achieved an accuracy of ~[insert your accuracy]% on the testing set.</a:t>
             </a:r>
           </a:p>
           <a:p>
             <a:pPr lvl="1"/>
             <a:r>
-              <a:rPr lang="en-US" dirty="0"/>
+              <a:rPr lang="en-US" sz="1600" dirty="0"/>
               <a:t>Performance metrics (accuracy, confusion matrix) indicate the model’s effectiveness for </a:t>
             </a:r>
             <a:r>
-              <a:rPr lang="en-US" b="1" dirty="0"/>
+              <a:rPr lang="en-US" sz="1600" b="1" dirty="0"/>
               <a:t>early warning systems</a:t>
             </a:r>
             <a:r>
-              <a:rPr lang="en-US" dirty="0"/>
+              <a:rPr lang="en-US" sz="1600" dirty="0"/>
               <a:t>.</a:t>
             </a:r>
           </a:p>
@@ -3755,11 +3748,58 @@
               </a:rPr>
               <a:t>  </a:t>
             </a:r>
+          </a:p>
+          <a:p>
             <a:endParaRPr lang="en-IN" sz="2000" b="1" dirty="0">
               <a:solidFill>
                 <a:srgbClr val="213163"/>
               </a:solidFill>
             </a:endParaRPr>
+          </a:p>
+        </p:txBody>
+      </p:sp>
+      <p:sp>
+        <p:nvSpPr>
+          <p:cNvPr id="2" name="TextBox 1">
+            <a:extLst>
+              <a:ext uri="{FF2B5EF4-FFF2-40B4-BE49-F238E27FC236}">
+                <a16:creationId xmlns:a16="http://schemas.microsoft.com/office/drawing/2014/main" id="{26E72BBD-3585-B801-632D-428FADFEDC0D}"/>
+              </a:ext>
+            </a:extLst>
+          </p:cNvPr>
+          <p:cNvSpPr txBox="1"/>
+          <p:nvPr/>
+        </p:nvSpPr>
+        <p:spPr>
+          <a:xfrm>
+            <a:off x="0" y="5766319"/>
+            <a:ext cx="8294913" cy="400110"/>
+          </a:xfrm>
+          <a:prstGeom prst="rect">
+            <a:avLst/>
+          </a:prstGeom>
+          <a:noFill/>
+        </p:spPr>
+        <p:txBody>
+          <a:bodyPr wrap="square" rtlCol="0">
+            <a:spAutoFit/>
+          </a:bodyPr>
+          <a:lstStyle/>
+          <a:p>
+            <a:pPr>
+              <a:spcAft>
+                <a:spcPts val="800"/>
+              </a:spcAft>
+            </a:pPr>
+            <a:r>
+              <a:rPr lang="en-IN" sz="2000" dirty="0">
+                <a:solidFill>
+                  <a:srgbClr val="0000FF"/>
+                </a:solidFill>
+                <a:latin typeface="+mn-lt"/>
+              </a:rPr>
+              <a:t>https://github.com/nimmalamadhuri467/storm-data-analysis.git</a:t>
+            </a:r>
           </a:p>
         </p:txBody>
       </p:sp>
